--- a/bigbluebutton-config/web/default.pptx
+++ b/bigbluebutton-config/web/default.pptx
@@ -315,6 +315,22 @@
       </a:defRPr>
     </a:lvl9pPr>
   </p:defaultTextStyle>
+  <p:extLst>
+    <p:ext uri="{EFAFB233-063F-42B5-8137-9DF3F51BA10A}">
+      <p15:sldGuideLst xmlns:p15="http://schemas.microsoft.com/office/powerpoint/2012/main">
+        <p15:guide id="1" orient="horz" pos="4320">
+          <p15:clr>
+            <a:srgbClr val="A4A3A4"/>
+          </p15:clr>
+        </p15:guide>
+        <p15:guide id="2" pos="7680">
+          <p15:clr>
+            <a:srgbClr val="A4A3A4"/>
+          </p15:clr>
+        </p15:guide>
+      </p15:sldGuideLst>
+    </p:ext>
+  </p:extLst>
 </p:presentation>
 </file>
 
@@ -677,7 +693,7 @@
   <p:clrMapOvr>
     <a:masterClrMapping/>
   </p:clrMapOvr>
-  <p:transition xmlns:p14="http://schemas.microsoft.com/office/powerpoint/2010/main" spd="med"/>
+  <p:transition spd="med"/>
 </p:sldLayout>
 </file>
 
@@ -814,7 +830,7 @@
   <p:clrMapOvr>
     <a:masterClrMapping/>
   </p:clrMapOvr>
-  <p:transition xmlns:p14="http://schemas.microsoft.com/office/powerpoint/2010/main" spd="med"/>
+  <p:transition spd="med"/>
 </p:sldLayout>
 </file>
 
@@ -895,7 +911,7 @@
   <p:clrMapOvr>
     <a:masterClrMapping/>
   </p:clrMapOvr>
-  <p:transition xmlns:p14="http://schemas.microsoft.com/office/powerpoint/2010/main" spd="med"/>
+  <p:transition spd="med"/>
 </p:sldLayout>
 </file>
 
@@ -947,7 +963,7 @@
   <p:clrMapOvr>
     <a:masterClrMapping/>
   </p:clrMapOvr>
-  <p:transition xmlns:p14="http://schemas.microsoft.com/office/powerpoint/2010/main" spd="med"/>
+  <p:transition spd="med"/>
 </p:sldLayout>
 </file>
 
@@ -1151,7 +1167,7 @@
   <p:clrMapOvr>
     <a:masterClrMapping/>
   </p:clrMapOvr>
-  <p:transition xmlns:p14="http://schemas.microsoft.com/office/powerpoint/2010/main" spd="med"/>
+  <p:transition spd="med"/>
 </p:sldLayout>
 </file>
 
@@ -1232,7 +1248,7 @@
   <p:clrMapOvr>
     <a:masterClrMapping/>
   </p:clrMapOvr>
-  <p:transition xmlns:p14="http://schemas.microsoft.com/office/powerpoint/2010/main" spd="med"/>
+  <p:transition spd="med"/>
 </p:sldLayout>
 </file>
 
@@ -1440,7 +1456,7 @@
   <p:clrMapOvr>
     <a:masterClrMapping/>
   </p:clrMapOvr>
-  <p:transition xmlns:p14="http://schemas.microsoft.com/office/powerpoint/2010/main" spd="med"/>
+  <p:transition spd="med"/>
 </p:sldLayout>
 </file>
 
@@ -1517,7 +1533,7 @@
   <p:clrMapOvr>
     <a:masterClrMapping/>
   </p:clrMapOvr>
-  <p:transition xmlns:p14="http://schemas.microsoft.com/office/powerpoint/2010/main" spd="med"/>
+  <p:transition spd="med"/>
 </p:sldLayout>
 </file>
 
@@ -1659,7 +1675,7 @@
   <p:clrMapOvr>
     <a:masterClrMapping/>
   </p:clrMapOvr>
-  <p:transition xmlns:p14="http://schemas.microsoft.com/office/powerpoint/2010/main" spd="med"/>
+  <p:transition spd="med"/>
 </p:sldLayout>
 </file>
 
@@ -1849,7 +1865,7 @@
   <p:clrMapOvr>
     <a:masterClrMapping/>
   </p:clrMapOvr>
-  <p:transition xmlns:p14="http://schemas.microsoft.com/office/powerpoint/2010/main" spd="med"/>
+  <p:transition spd="med"/>
 </p:sldLayout>
 </file>
 
@@ -1970,7 +1986,7 @@
   <p:clrMapOvr>
     <a:masterClrMapping/>
   </p:clrMapOvr>
-  <p:transition xmlns:p14="http://schemas.microsoft.com/office/powerpoint/2010/main" spd="med"/>
+  <p:transition spd="med"/>
 </p:sldLayout>
 </file>
 
@@ -2109,7 +2125,7 @@
   <p:clrMapOvr>
     <a:masterClrMapping/>
   </p:clrMapOvr>
-  <p:transition xmlns:p14="http://schemas.microsoft.com/office/powerpoint/2010/main" spd="med"/>
+  <p:transition spd="med"/>
 </p:sldLayout>
 </file>
 
@@ -2161,7 +2177,7 @@
           </a:ln>
           <a:extLst>
             <a:ext uri="{C572A759-6A51-4108-AA02-DFA0A04FC94B}">
-              <ma14:wrappingTextBoxFlag xmlns:ma14="http://schemas.microsoft.com/office/mac/drawingml/2011/main" val="1"/>
+              <ma14:wrappingTextBoxFlag xmlns="" xmlns:ma14="http://schemas.microsoft.com/office/mac/drawingml/2011/main" val="1"/>
             </a:ext>
           </a:extLst>
         </p:spPr>
@@ -2200,7 +2216,7 @@
           </a:ln>
           <a:extLst>
             <a:ext uri="{C572A759-6A51-4108-AA02-DFA0A04FC94B}">
-              <ma14:wrappingTextBoxFlag xmlns:ma14="http://schemas.microsoft.com/office/mac/drawingml/2011/main" val="1"/>
+              <ma14:wrappingTextBoxFlag xmlns="" xmlns:ma14="http://schemas.microsoft.com/office/mac/drawingml/2011/main" val="1"/>
             </a:ext>
           </a:extLst>
         </p:spPr>
@@ -2301,7 +2317,7 @@
     <p:sldLayoutId id="2147483659" r:id="rId11"/>
     <p:sldLayoutId id="2147483660" r:id="rId12"/>
   </p:sldLayoutIdLst>
-  <p:transition xmlns:p14="http://schemas.microsoft.com/office/powerpoint/2010/main" spd="med"/>
+  <p:transition spd="med"/>
   <p:txStyles>
     <p:titleStyle>
       <a:lvl1pPr marL="0" marR="0" indent="0" algn="ctr" defTabSz="825500" rtl="0" latinLnBrk="0">
@@ -3163,8 +3179,8 @@
         </p:nvSpPr>
         <p:spPr>
           <a:xfrm>
-            <a:off x="7224712" y="2330449"/>
-            <a:ext cx="9934576" cy="1079501"/>
+            <a:off x="8148426" y="2326461"/>
+            <a:ext cx="8087150" cy="1087477"/>
           </a:xfrm>
           <a:prstGeom prst="rect">
             <a:avLst/>
@@ -3174,7 +3190,7 @@
           </a:ln>
           <a:extLst>
             <a:ext uri="{C572A759-6A51-4108-AA02-DFA0A04FC94B}">
-              <ma14:wrappingTextBoxFlag xmlns:ma14="http://schemas.microsoft.com/office/mac/drawingml/2011/main" val="1"/>
+              <ma14:wrappingTextBoxFlag xmlns="" xmlns:ma14="http://schemas.microsoft.com/office/mac/drawingml/2011/main" val="1"/>
             </a:ext>
           </a:extLst>
         </p:spPr>
@@ -3197,8 +3213,14 @@
           </a:lstStyle>
           <a:p>
             <a:r>
-              <a:t>Welcome To BigBlueButton</a:t>
-            </a:r>
+              <a:rPr dirty="0"/>
+              <a:t>Welcome To </a:t>
+            </a:r>
+            <a:r>
+              <a:rPr lang="en-US" dirty="0" err="1"/>
+              <a:t>ClassOn</a:t>
+            </a:r>
+            <a:endParaRPr dirty="0"/>
           </a:p>
         </p:txBody>
       </p:sp>
@@ -3250,8 +3272,8 @@
         </p:nvSpPr>
         <p:spPr>
           <a:xfrm>
-            <a:off x="4609734" y="3581400"/>
-            <a:ext cx="14834332" cy="558801"/>
+            <a:off x="5880988" y="3578672"/>
+            <a:ext cx="12291826" cy="564257"/>
           </a:xfrm>
           <a:prstGeom prst="rect">
             <a:avLst/>
@@ -3261,7 +3283,7 @@
           </a:ln>
           <a:extLst>
             <a:ext uri="{C572A759-6A51-4108-AA02-DFA0A04FC94B}">
-              <ma14:wrappingTextBoxFlag xmlns:ma14="http://schemas.microsoft.com/office/mac/drawingml/2011/main" val="1"/>
+              <ma14:wrappingTextBoxFlag xmlns="" xmlns:ma14="http://schemas.microsoft.com/office/mac/drawingml/2011/main" val="1"/>
             </a:ext>
           </a:extLst>
         </p:spPr>
@@ -3284,7 +3306,20 @@
           </a:lstStyle>
           <a:p>
             <a:r>
-              <a:t>BigBlueButton is an open source web conferencing system designed for online learning</a:t>
+              <a:rPr lang="en-US" dirty="0"/>
+              <a:t>ClassOn.VN</a:t>
+            </a:r>
+            <a:r>
+              <a:rPr dirty="0"/>
+              <a:t> is </a:t>
+            </a:r>
+            <a:r>
+              <a:rPr lang="en-US" dirty="0"/>
+              <a:t>an </a:t>
+            </a:r>
+            <a:r>
+              <a:rPr dirty="0"/>
+              <a:t>web conferencing system designed for online learning</a:t>
             </a:r>
           </a:p>
         </p:txBody>
@@ -3318,7 +3353,7 @@
           </a:effectLst>
           <a:extLst>
             <a:ext uri="{C572A759-6A51-4108-AA02-DFA0A04FC94B}">
-              <ma14:wrappingTextBoxFlag xmlns:ma14="http://schemas.microsoft.com/office/mac/drawingml/2011/main" val="1"/>
+              <ma14:wrappingTextBoxFlag xmlns="" xmlns:ma14="http://schemas.microsoft.com/office/mac/drawingml/2011/main" val="1"/>
             </a:ext>
           </a:extLst>
         </p:spPr>
@@ -3363,7 +3398,7 @@
           </a:ln>
           <a:extLst>
             <a:ext uri="{C572A759-6A51-4108-AA02-DFA0A04FC94B}">
-              <ma14:wrappingTextBoxFlag xmlns:ma14="http://schemas.microsoft.com/office/mac/drawingml/2011/main" val="1"/>
+              <ma14:wrappingTextBoxFlag xmlns="" xmlns:ma14="http://schemas.microsoft.com/office/mac/drawingml/2011/main" val="1"/>
             </a:ext>
           </a:extLst>
         </p:spPr>
@@ -3386,7 +3421,7 @@
           </a:lstStyle>
           <a:p>
             <a:r>
-              <a:rPr lang="en-US" dirty="0" smtClean="0"/>
+              <a:rPr lang="en-US" dirty="0"/>
               <a:t>Chat</a:t>
             </a:r>
             <a:endParaRPr dirty="0"/>
@@ -3412,7 +3447,7 @@
           </a:ln>
           <a:extLst>
             <a:ext uri="{C572A759-6A51-4108-AA02-DFA0A04FC94B}">
-              <ma14:wrappingTextBoxFlag xmlns:ma14="http://schemas.microsoft.com/office/mac/drawingml/2011/main" val="1"/>
+              <ma14:wrappingTextBoxFlag xmlns="" xmlns:ma14="http://schemas.microsoft.com/office/mac/drawingml/2011/main" val="1"/>
             </a:ext>
           </a:extLst>
         </p:spPr>
@@ -3500,7 +3535,7 @@
           </a:ln>
           <a:extLst>
             <a:ext uri="{C572A759-6A51-4108-AA02-DFA0A04FC94B}">
-              <ma14:wrappingTextBoxFlag xmlns:ma14="http://schemas.microsoft.com/office/mac/drawingml/2011/main" val="1"/>
+              <ma14:wrappingTextBoxFlag xmlns="" xmlns:ma14="http://schemas.microsoft.com/office/mac/drawingml/2011/main" val="1"/>
             </a:ext>
           </a:extLst>
         </p:spPr>
@@ -3523,10 +3558,9 @@
           </a:lstStyle>
           <a:p>
             <a:r>
-              <a:rPr dirty="0" smtClean="0"/>
+              <a:rPr dirty="0"/>
               <a:t>Webcams</a:t>
             </a:r>
-            <a:endParaRPr dirty="0"/>
           </a:p>
         </p:txBody>
       </p:sp>
@@ -3549,7 +3583,7 @@
           </a:ln>
           <a:extLst>
             <a:ext uri="{C572A759-6A51-4108-AA02-DFA0A04FC94B}">
-              <ma14:wrappingTextBoxFlag xmlns:ma14="http://schemas.microsoft.com/office/mac/drawingml/2011/main" val="1"/>
+              <ma14:wrappingTextBoxFlag xmlns="" xmlns:ma14="http://schemas.microsoft.com/office/mac/drawingml/2011/main" val="1"/>
             </a:ext>
           </a:extLst>
         </p:spPr>
@@ -3637,7 +3671,7 @@
           </a:ln>
           <a:extLst>
             <a:ext uri="{C572A759-6A51-4108-AA02-DFA0A04FC94B}">
-              <ma14:wrappingTextBoxFlag xmlns:ma14="http://schemas.microsoft.com/office/mac/drawingml/2011/main" val="1"/>
+              <ma14:wrappingTextBoxFlag xmlns="" xmlns:ma14="http://schemas.microsoft.com/office/mac/drawingml/2011/main" val="1"/>
             </a:ext>
           </a:extLst>
         </p:spPr>
@@ -3660,10 +3694,9 @@
           </a:lstStyle>
           <a:p>
             <a:r>
-              <a:rPr dirty="0" smtClean="0"/>
+              <a:rPr dirty="0"/>
               <a:t>Audio</a:t>
             </a:r>
-            <a:endParaRPr dirty="0"/>
           </a:p>
         </p:txBody>
       </p:sp>
@@ -3686,7 +3719,7 @@
           </a:ln>
           <a:extLst>
             <a:ext uri="{C572A759-6A51-4108-AA02-DFA0A04FC94B}">
-              <ma14:wrappingTextBoxFlag xmlns:ma14="http://schemas.microsoft.com/office/mac/drawingml/2011/main" val="1"/>
+              <ma14:wrappingTextBoxFlag xmlns="" xmlns:ma14="http://schemas.microsoft.com/office/mac/drawingml/2011/main" val="1"/>
             </a:ext>
           </a:extLst>
         </p:spPr>
@@ -3775,7 +3808,7 @@
           </a:ln>
           <a:extLst>
             <a:ext uri="{C572A759-6A51-4108-AA02-DFA0A04FC94B}">
-              <ma14:wrappingTextBoxFlag xmlns:ma14="http://schemas.microsoft.com/office/mac/drawingml/2011/main" val="1"/>
+              <ma14:wrappingTextBoxFlag xmlns="" xmlns:ma14="http://schemas.microsoft.com/office/mac/drawingml/2011/main" val="1"/>
             </a:ext>
           </a:extLst>
         </p:spPr>
@@ -3822,7 +3855,7 @@
           </a:ln>
           <a:extLst>
             <a:ext uri="{C572A759-6A51-4108-AA02-DFA0A04FC94B}">
-              <ma14:wrappingTextBoxFlag xmlns:ma14="http://schemas.microsoft.com/office/mac/drawingml/2011/main" val="1"/>
+              <ma14:wrappingTextBoxFlag xmlns="" xmlns:ma14="http://schemas.microsoft.com/office/mac/drawingml/2011/main" val="1"/>
             </a:ext>
           </a:extLst>
         </p:spPr>
@@ -3910,7 +3943,7 @@
           </a:ln>
           <a:extLst>
             <a:ext uri="{C572A759-6A51-4108-AA02-DFA0A04FC94B}">
-              <ma14:wrappingTextBoxFlag xmlns:ma14="http://schemas.microsoft.com/office/mac/drawingml/2011/main" val="1"/>
+              <ma14:wrappingTextBoxFlag xmlns="" xmlns:ma14="http://schemas.microsoft.com/office/mac/drawingml/2011/main" val="1"/>
             </a:ext>
           </a:extLst>
         </p:spPr>
@@ -3957,7 +3990,7 @@
           </a:ln>
           <a:extLst>
             <a:ext uri="{C572A759-6A51-4108-AA02-DFA0A04FC94B}">
-              <ma14:wrappingTextBoxFlag xmlns:ma14="http://schemas.microsoft.com/office/mac/drawingml/2011/main" val="1"/>
+              <ma14:wrappingTextBoxFlag xmlns="" xmlns:ma14="http://schemas.microsoft.com/office/mac/drawingml/2011/main" val="1"/>
             </a:ext>
           </a:extLst>
         </p:spPr>
@@ -4045,7 +4078,7 @@
           </a:ln>
           <a:extLst>
             <a:ext uri="{C572A759-6A51-4108-AA02-DFA0A04FC94B}">
-              <ma14:wrappingTextBoxFlag xmlns:ma14="http://schemas.microsoft.com/office/mac/drawingml/2011/main" val="1"/>
+              <ma14:wrappingTextBoxFlag xmlns="" xmlns:ma14="http://schemas.microsoft.com/office/mac/drawingml/2011/main" val="1"/>
             </a:ext>
           </a:extLst>
         </p:spPr>
@@ -4092,7 +4125,7 @@
           </a:ln>
           <a:extLst>
             <a:ext uri="{C572A759-6A51-4108-AA02-DFA0A04FC94B}">
-              <ma14:wrappingTextBoxFlag xmlns:ma14="http://schemas.microsoft.com/office/mac/drawingml/2011/main" val="1"/>
+              <ma14:wrappingTextBoxFlag xmlns="" xmlns:ma14="http://schemas.microsoft.com/office/mac/drawingml/2011/main" val="1"/>
             </a:ext>
           </a:extLst>
         </p:spPr>
@@ -4180,7 +4213,7 @@
           </a:ln>
           <a:extLst>
             <a:ext uri="{C572A759-6A51-4108-AA02-DFA0A04FC94B}">
-              <ma14:wrappingTextBoxFlag xmlns:ma14="http://schemas.microsoft.com/office/mac/drawingml/2011/main" val="1"/>
+              <ma14:wrappingTextBoxFlag xmlns="" xmlns:ma14="http://schemas.microsoft.com/office/mac/drawingml/2011/main" val="1"/>
             </a:ext>
           </a:extLst>
         </p:spPr>
@@ -4203,18 +4236,17 @@
           </a:lstStyle>
           <a:p>
             <a:r>
-              <a:rPr dirty="0" smtClean="0"/>
+              <a:rPr dirty="0"/>
               <a:t>Screen</a:t>
             </a:r>
             <a:r>
-              <a:rPr lang="en-US" dirty="0" smtClean="0"/>
+              <a:rPr lang="en-US" dirty="0"/>
               <a:t> </a:t>
             </a:r>
             <a:r>
-              <a:rPr dirty="0" smtClean="0"/>
+              <a:rPr dirty="0"/>
               <a:t>sharing</a:t>
             </a:r>
-            <a:endParaRPr dirty="0"/>
           </a:p>
         </p:txBody>
       </p:sp>
@@ -4237,7 +4269,7 @@
           </a:ln>
           <a:extLst>
             <a:ext uri="{C572A759-6A51-4108-AA02-DFA0A04FC94B}">
-              <ma14:wrappingTextBoxFlag xmlns:ma14="http://schemas.microsoft.com/office/mac/drawingml/2011/main" val="1"/>
+              <ma14:wrappingTextBoxFlag xmlns="" xmlns:ma14="http://schemas.microsoft.com/office/mac/drawingml/2011/main" val="1"/>
             </a:ext>
           </a:extLst>
         </p:spPr>
@@ -4325,7 +4357,7 @@
           </a:ln>
           <a:extLst>
             <a:ext uri="{C572A759-6A51-4108-AA02-DFA0A04FC94B}">
-              <ma14:wrappingTextBoxFlag xmlns:ma14="http://schemas.microsoft.com/office/mac/drawingml/2011/main" val="1"/>
+              <ma14:wrappingTextBoxFlag xmlns="" xmlns:ma14="http://schemas.microsoft.com/office/mac/drawingml/2011/main" val="1"/>
             </a:ext>
           </a:extLst>
         </p:spPr>
@@ -4372,7 +4404,7 @@
           </a:ln>
           <a:extLst>
             <a:ext uri="{C572A759-6A51-4108-AA02-DFA0A04FC94B}">
-              <ma14:wrappingTextBoxFlag xmlns:ma14="http://schemas.microsoft.com/office/mac/drawingml/2011/main" val="1"/>
+              <ma14:wrappingTextBoxFlag xmlns="" xmlns:ma14="http://schemas.microsoft.com/office/mac/drawingml/2011/main" val="1"/>
             </a:ext>
           </a:extLst>
         </p:spPr>
@@ -4449,8 +4481,8 @@
         </p:nvSpPr>
         <p:spPr>
           <a:xfrm>
-            <a:off x="6746255" y="11747599"/>
-            <a:ext cx="10561291" cy="711201"/>
+            <a:off x="7197515" y="12345054"/>
+            <a:ext cx="10164642" cy="718145"/>
           </a:xfrm>
           <a:prstGeom prst="rect">
             <a:avLst/>
@@ -4460,7 +4492,7 @@
           </a:ln>
           <a:extLst>
             <a:ext uri="{C572A759-6A51-4108-AA02-DFA0A04FC94B}">
-              <ma14:wrappingTextBoxFlag xmlns:ma14="http://schemas.microsoft.com/office/mac/drawingml/2011/main" val="1"/>
+              <ma14:wrappingTextBoxFlag xmlns="" xmlns:ma14="http://schemas.microsoft.com/office/mac/drawingml/2011/main" val="1"/>
             </a:ext>
           </a:extLst>
         </p:spPr>
@@ -4482,8 +4514,37 @@
               </a:defRPr>
             </a:pPr>
             <a:r>
-              <a:rPr dirty="0"/>
-              <a:t>For more information visit </a:t>
+              <a:rPr lang="en-US" dirty="0" err="1"/>
+              <a:t>Hân</a:t>
+            </a:r>
+            <a:r>
+              <a:rPr lang="en-US" dirty="0"/>
+              <a:t> </a:t>
+            </a:r>
+            <a:r>
+              <a:rPr lang="en-US" dirty="0" err="1"/>
+              <a:t>hạnh</a:t>
+            </a:r>
+            <a:r>
+              <a:rPr lang="en-US" dirty="0"/>
+              <a:t> tài trợ </a:t>
+            </a:r>
+            <a:r>
+              <a:rPr lang="en-US" dirty="0" err="1"/>
+              <a:t>cùng</a:t>
+            </a:r>
+            <a:r>
+              <a:rPr lang="en-US" dirty="0"/>
+              <a:t> đối tác </a:t>
+            </a:r>
+            <a:r>
+              <a:rPr lang="en-US" u="sng" dirty="0">
+                <a:solidFill>
+                  <a:srgbClr val="0E70D7"/>
+                </a:solidFill>
+                <a:hlinkClick r:id="rId2"/>
+              </a:rPr>
+              <a:t>ClassOn</a:t>
             </a:r>
             <a:r>
               <a:rPr u="sng" dirty="0">
@@ -4492,7 +4553,25 @@
                 </a:solidFill>
                 <a:hlinkClick r:id="rId2"/>
               </a:rPr>
-              <a:t>bigbluebutton.org →</a:t>
+              <a:t>.</a:t>
+            </a:r>
+            <a:r>
+              <a:rPr lang="en-US" u="sng" dirty="0">
+                <a:solidFill>
+                  <a:srgbClr val="0E70D7"/>
+                </a:solidFill>
+                <a:hlinkClick r:id="rId2"/>
+              </a:rPr>
+              <a:t>vn</a:t>
+            </a:r>
+            <a:r>
+              <a:rPr u="sng" dirty="0">
+                <a:solidFill>
+                  <a:srgbClr val="0E70D7"/>
+                </a:solidFill>
+                <a:hlinkClick r:id="rId2"/>
+              </a:rPr>
+              <a:t> →</a:t>
             </a:r>
             <a:endParaRPr u="sng" dirty="0">
               <a:solidFill>
@@ -4512,9 +4591,7 @@
           <p:nvPr/>
         </p:nvPicPr>
         <p:blipFill>
-          <a:blip r:embed="rId4">
-            <a:extLst/>
-          </a:blip>
+          <a:blip r:embed="rId4"/>
           <a:stretch>
             <a:fillRect/>
           </a:stretch>
@@ -4541,9 +4618,7 @@
           <p:nvPr/>
         </p:nvPicPr>
         <p:blipFill>
-          <a:blip r:embed="rId5">
-            <a:extLst/>
-          </a:blip>
+          <a:blip r:embed="rId5"/>
           <a:stretch>
             <a:fillRect/>
           </a:stretch>
@@ -4570,9 +4645,7 @@
           <p:nvPr/>
         </p:nvPicPr>
         <p:blipFill>
-          <a:blip r:embed="rId6">
-            <a:extLst/>
-          </a:blip>
+          <a:blip r:embed="rId6"/>
           <a:stretch>
             <a:fillRect/>
           </a:stretch>
@@ -4599,9 +4672,7 @@
           <p:nvPr/>
         </p:nvPicPr>
         <p:blipFill>
-          <a:blip r:embed="rId7">
-            <a:extLst/>
-          </a:blip>
+          <a:blip r:embed="rId7"/>
           <a:stretch>
             <a:fillRect/>
           </a:stretch>
@@ -4628,9 +4699,7 @@
           <p:nvPr/>
         </p:nvPicPr>
         <p:blipFill>
-          <a:blip r:embed="rId8">
-            <a:extLst/>
-          </a:blip>
+          <a:blip r:embed="rId8"/>
           <a:stretch>
             <a:fillRect/>
           </a:stretch>
@@ -4657,9 +4726,7 @@
           <p:nvPr/>
         </p:nvPicPr>
         <p:blipFill>
-          <a:blip r:embed="rId9">
-            <a:extLst/>
-          </a:blip>
+          <a:blip r:embed="rId9"/>
           <a:stretch>
             <a:fillRect/>
           </a:stretch>
@@ -4686,9 +4753,7 @@
           <p:nvPr/>
         </p:nvPicPr>
         <p:blipFill>
-          <a:blip r:embed="rId10">
-            <a:extLst/>
-          </a:blip>
+          <a:blip r:embed="rId10"/>
           <a:stretch>
             <a:fillRect/>
           </a:stretch>
@@ -4715,9 +4780,7 @@
           <p:nvPr/>
         </p:nvPicPr>
         <p:blipFill>
-          <a:blip r:embed="rId11">
-            <a:extLst/>
-          </a:blip>
+          <a:blip r:embed="rId11"/>
           <a:stretch>
             <a:fillRect/>
           </a:stretch>
@@ -4744,16 +4807,14 @@
           <p:nvPr/>
         </p:nvPicPr>
         <p:blipFill>
-          <a:blip r:embed="rId12">
-            <a:extLst/>
-          </a:blip>
+          <a:blip r:embed="rId12"/>
           <a:srcRect l="15" r="9" b="25"/>
           <a:stretch>
             <a:fillRect/>
           </a:stretch>
         </p:blipFill>
         <p:spPr>
-          <a:xfrm>
+          <a:xfrm rot="18610929">
             <a:off x="11506993" y="569066"/>
             <a:ext cx="1596233" cy="1596233"/>
           </a:xfrm>
@@ -5089,12 +5150,59 @@
           </a:ln>
         </p:spPr>
       </p:pic>
+      <p:pic>
+        <p:nvPicPr>
+          <p:cNvPr id="1026" name="Picture 2">
+            <a:extLst>
+              <a:ext uri="{FF2B5EF4-FFF2-40B4-BE49-F238E27FC236}">
+                <a16:creationId xmlns:a16="http://schemas.microsoft.com/office/drawing/2014/main" id="{9C3B046B-4454-4AF0-B206-05A13D51370B}"/>
+              </a:ext>
+            </a:extLst>
+          </p:cNvPr>
+          <p:cNvPicPr>
+            <a:picLocks noChangeAspect="1" noChangeArrowheads="1"/>
+          </p:cNvPicPr>
+          <p:nvPr/>
+        </p:nvPicPr>
+        <p:blipFill>
+          <a:blip r:embed="rId13">
+            <a:extLst>
+              <a:ext uri="{28A0092B-C50C-407E-A947-70E740481C1C}">
+                <a14:useLocalDpi xmlns:a14="http://schemas.microsoft.com/office/drawing/2010/main" val="0"/>
+              </a:ext>
+            </a:extLst>
+          </a:blip>
+          <a:srcRect/>
+          <a:stretch>
+            <a:fillRect/>
+          </a:stretch>
+        </p:blipFill>
+        <p:spPr bwMode="auto">
+          <a:xfrm>
+            <a:off x="9856912" y="11422214"/>
+            <a:ext cx="5069203" cy="951963"/>
+          </a:xfrm>
+          <a:prstGeom prst="rect">
+            <a:avLst/>
+          </a:prstGeom>
+          <a:noFill/>
+          <a:extLst>
+            <a:ext uri="{909E8E84-426E-40DD-AFC4-6F175D3DCCD1}">
+              <a14:hiddenFill xmlns:a14="http://schemas.microsoft.com/office/drawing/2010/main">
+                <a:solidFill>
+                  <a:srgbClr val="FFFFFF"/>
+                </a:solidFill>
+              </a14:hiddenFill>
+            </a:ext>
+          </a:extLst>
+        </p:spPr>
+      </p:pic>
     </p:spTree>
   </p:cSld>
   <p:clrMapOvr>
     <a:masterClrMapping/>
   </p:clrMapOvr>
-  <p:transition xmlns:p14="http://schemas.microsoft.com/office/powerpoint/2010/main" spd="med"/>
+  <p:transition spd="med"/>
 </p:sld>
 </file>
 
@@ -5172,7 +5280,7 @@
               <a:tabLst/>
             </a:pPr>
             <a:r>
-              <a:rPr kumimoji="0" lang="en-US" sz="3000" b="1" i="0" u="none" strike="noStrike" cap="none" spc="0" normalizeH="0" baseline="0" dirty="0" smtClean="0">
+              <a:rPr kumimoji="0" lang="en-US" sz="3000" b="1" i="0" u="none" strike="noStrike" cap="none" spc="0" normalizeH="0" baseline="0" dirty="0">
                 <a:ln>
                   <a:noFill/>
                 </a:ln>
@@ -5186,11 +5294,24 @@
                 <a:cs typeface="Helvetica Neue"/>
                 <a:sym typeface="Helvetica Neue"/>
               </a:rPr>
-              <a:t>Thi</a:t>
-            </a:r>
-            <a:r>
-              <a:rPr lang="en-US" dirty="0" smtClean="0"/>
-              <a:t>s slide left blank for whiteboard</a:t>
+              <a:t>Bảng </a:t>
+            </a:r>
+            <a:r>
+              <a:rPr kumimoji="0" lang="en-US" sz="3000" b="1" i="0" u="none" strike="noStrike" cap="none" spc="0" normalizeH="0" baseline="0" dirty="0" err="1">
+                <a:ln>
+                  <a:noFill/>
+                </a:ln>
+                <a:solidFill>
+                  <a:srgbClr val="000000"/>
+                </a:solidFill>
+                <a:effectLst/>
+                <a:uFillTx/>
+                <a:latin typeface="Helvetica Neue"/>
+                <a:ea typeface="Helvetica Neue"/>
+                <a:cs typeface="Helvetica Neue"/>
+                <a:sym typeface="Helvetica Neue"/>
+              </a:rPr>
+              <a:t>trắng</a:t>
             </a:r>
             <a:endParaRPr kumimoji="0" lang="en-US" sz="3000" b="1" i="0" u="none" strike="noStrike" cap="none" spc="0" normalizeH="0" baseline="0" dirty="0">
               <a:ln>
@@ -5219,7 +5340,7 @@
   <p:clrMapOvr>
     <a:masterClrMapping/>
   </p:clrMapOvr>
-  <p:transition xmlns:p14="http://schemas.microsoft.com/office/powerpoint/2010/main" spd="med"/>
+  <p:transition spd="med"/>
 </p:sld>
 </file>
 
@@ -5240,100 +5361,6 @@
           <a:chExt cx="0" cy="0"/>
         </a:xfrm>
       </p:grpSpPr>
-      <p:sp>
-        <p:nvSpPr>
-          <p:cNvPr id="6" name="TextBox 5"/>
-          <p:cNvSpPr txBox="1"/>
-          <p:nvPr/>
-        </p:nvSpPr>
-        <p:spPr>
-          <a:xfrm>
-            <a:off x="6237111" y="12728316"/>
-            <a:ext cx="13095111" cy="564257"/>
-          </a:xfrm>
-          <a:prstGeom prst="rect">
-            <a:avLst/>
-          </a:prstGeom>
-          <a:noFill/>
-          <a:ln w="12700" cap="flat">
-            <a:noFill/>
-            <a:miter lim="400000"/>
-          </a:ln>
-          <a:effectLst/>
-          <a:sp3d/>
-        </p:spPr>
-        <p:style>
-          <a:lnRef idx="0">
-            <a:scrgbClr r="0" g="0" b="0"/>
-          </a:lnRef>
-          <a:fillRef idx="0">
-            <a:scrgbClr r="0" g="0" b="0"/>
-          </a:fillRef>
-          <a:effectRef idx="0">
-            <a:scrgbClr r="0" g="0" b="0"/>
-          </a:effectRef>
-          <a:fontRef idx="none"/>
-        </p:style>
-        <p:txBody>
-          <a:bodyPr rot="0" spcFirstLastPara="1" vertOverflow="overflow" horzOverflow="overflow" vert="horz" wrap="square" lIns="50800" tIns="50800" rIns="50800" bIns="50800" numCol="1" spcCol="38100" rtlCol="0" anchor="ctr">
-            <a:spAutoFit/>
-          </a:bodyPr>
-          <a:lstStyle/>
-          <a:p>
-            <a:pPr marL="0" marR="0" indent="0" algn="ctr" defTabSz="825500" rtl="0" fontAlgn="auto" latinLnBrk="0" hangingPunct="0">
-              <a:lnSpc>
-                <a:spcPct val="100000"/>
-              </a:lnSpc>
-              <a:spcBef>
-                <a:spcPts val="0"/>
-              </a:spcBef>
-              <a:spcAft>
-                <a:spcPts val="0"/>
-              </a:spcAft>
-              <a:buClrTx/>
-              <a:buSzTx/>
-              <a:buFontTx/>
-              <a:buNone/>
-              <a:tabLst/>
-            </a:pPr>
-            <a:r>
-              <a:rPr kumimoji="0" lang="en-US" sz="3000" b="1" i="0" u="none" strike="noStrike" cap="none" spc="0" normalizeH="0" baseline="0" dirty="0" smtClean="0">
-                <a:ln>
-                  <a:noFill/>
-                </a:ln>
-                <a:solidFill>
-                  <a:srgbClr val="000000"/>
-                </a:solidFill>
-                <a:effectLst/>
-                <a:uFillTx/>
-                <a:latin typeface="Helvetica Neue"/>
-                <a:ea typeface="Helvetica Neue"/>
-                <a:cs typeface="Helvetica Neue"/>
-                <a:sym typeface="Helvetica Neue"/>
-              </a:rPr>
-              <a:t>Thi</a:t>
-            </a:r>
-            <a:r>
-              <a:rPr lang="en-US" dirty="0" smtClean="0"/>
-              <a:t>s slide left blank for whiteboard</a:t>
-            </a:r>
-            <a:endParaRPr kumimoji="0" lang="en-US" sz="3000" b="1" i="0" u="none" strike="noStrike" cap="none" spc="0" normalizeH="0" baseline="0" dirty="0">
-              <a:ln>
-                <a:noFill/>
-              </a:ln>
-              <a:solidFill>
-                <a:srgbClr val="000000"/>
-              </a:solidFill>
-              <a:effectLst/>
-              <a:uFillTx/>
-              <a:latin typeface="Helvetica Neue"/>
-              <a:ea typeface="Helvetica Neue"/>
-              <a:cs typeface="Helvetica Neue"/>
-              <a:sym typeface="Helvetica Neue"/>
-            </a:endParaRPr>
-          </a:p>
-        </p:txBody>
-      </p:sp>
     </p:spTree>
     <p:extLst>
       <p:ext uri="{BB962C8B-B14F-4D97-AF65-F5344CB8AC3E}">
@@ -5344,7 +5371,7 @@
   <p:clrMapOvr>
     <a:masterClrMapping/>
   </p:clrMapOvr>
-  <p:transition xmlns:p14="http://schemas.microsoft.com/office/powerpoint/2010/main" spd="med"/>
+  <p:transition spd="med"/>
 </p:sld>
 </file>
 
@@ -5365,100 +5392,6 @@
           <a:chExt cx="0" cy="0"/>
         </a:xfrm>
       </p:grpSpPr>
-      <p:sp>
-        <p:nvSpPr>
-          <p:cNvPr id="6" name="TextBox 5"/>
-          <p:cNvSpPr txBox="1"/>
-          <p:nvPr/>
-        </p:nvSpPr>
-        <p:spPr>
-          <a:xfrm>
-            <a:off x="6237111" y="12728316"/>
-            <a:ext cx="13095111" cy="564257"/>
-          </a:xfrm>
-          <a:prstGeom prst="rect">
-            <a:avLst/>
-          </a:prstGeom>
-          <a:noFill/>
-          <a:ln w="12700" cap="flat">
-            <a:noFill/>
-            <a:miter lim="400000"/>
-          </a:ln>
-          <a:effectLst/>
-          <a:sp3d/>
-        </p:spPr>
-        <p:style>
-          <a:lnRef idx="0">
-            <a:scrgbClr r="0" g="0" b="0"/>
-          </a:lnRef>
-          <a:fillRef idx="0">
-            <a:scrgbClr r="0" g="0" b="0"/>
-          </a:fillRef>
-          <a:effectRef idx="0">
-            <a:scrgbClr r="0" g="0" b="0"/>
-          </a:effectRef>
-          <a:fontRef idx="none"/>
-        </p:style>
-        <p:txBody>
-          <a:bodyPr rot="0" spcFirstLastPara="1" vertOverflow="overflow" horzOverflow="overflow" vert="horz" wrap="square" lIns="50800" tIns="50800" rIns="50800" bIns="50800" numCol="1" spcCol="38100" rtlCol="0" anchor="ctr">
-            <a:spAutoFit/>
-          </a:bodyPr>
-          <a:lstStyle/>
-          <a:p>
-            <a:pPr marL="0" marR="0" indent="0" algn="ctr" defTabSz="825500" rtl="0" fontAlgn="auto" latinLnBrk="0" hangingPunct="0">
-              <a:lnSpc>
-                <a:spcPct val="100000"/>
-              </a:lnSpc>
-              <a:spcBef>
-                <a:spcPts val="0"/>
-              </a:spcBef>
-              <a:spcAft>
-                <a:spcPts val="0"/>
-              </a:spcAft>
-              <a:buClrTx/>
-              <a:buSzTx/>
-              <a:buFontTx/>
-              <a:buNone/>
-              <a:tabLst/>
-            </a:pPr>
-            <a:r>
-              <a:rPr kumimoji="0" lang="en-US" sz="3000" b="1" i="0" u="none" strike="noStrike" cap="none" spc="0" normalizeH="0" baseline="0" dirty="0" smtClean="0">
-                <a:ln>
-                  <a:noFill/>
-                </a:ln>
-                <a:solidFill>
-                  <a:srgbClr val="000000"/>
-                </a:solidFill>
-                <a:effectLst/>
-                <a:uFillTx/>
-                <a:latin typeface="Helvetica Neue"/>
-                <a:ea typeface="Helvetica Neue"/>
-                <a:cs typeface="Helvetica Neue"/>
-                <a:sym typeface="Helvetica Neue"/>
-              </a:rPr>
-              <a:t>Thi</a:t>
-            </a:r>
-            <a:r>
-              <a:rPr lang="en-US" dirty="0" smtClean="0"/>
-              <a:t>s slide left blank for whiteboard</a:t>
-            </a:r>
-            <a:endParaRPr kumimoji="0" lang="en-US" sz="3000" b="1" i="0" u="none" strike="noStrike" cap="none" spc="0" normalizeH="0" baseline="0" dirty="0">
-              <a:ln>
-                <a:noFill/>
-              </a:ln>
-              <a:solidFill>
-                <a:srgbClr val="000000"/>
-              </a:solidFill>
-              <a:effectLst/>
-              <a:uFillTx/>
-              <a:latin typeface="Helvetica Neue"/>
-              <a:ea typeface="Helvetica Neue"/>
-              <a:cs typeface="Helvetica Neue"/>
-              <a:sym typeface="Helvetica Neue"/>
-            </a:endParaRPr>
-          </a:p>
-        </p:txBody>
-      </p:sp>
     </p:spTree>
     <p:extLst>
       <p:ext uri="{BB962C8B-B14F-4D97-AF65-F5344CB8AC3E}">
@@ -5469,7 +5402,7 @@
   <p:clrMapOvr>
     <a:masterClrMapping/>
   </p:clrMapOvr>
-  <p:transition xmlns:p14="http://schemas.microsoft.com/office/powerpoint/2010/main" spd="med"/>
+  <p:transition spd="med"/>
 </p:sld>
 </file>
 
@@ -5490,100 +5423,6 @@
           <a:chExt cx="0" cy="0"/>
         </a:xfrm>
       </p:grpSpPr>
-      <p:sp>
-        <p:nvSpPr>
-          <p:cNvPr id="6" name="TextBox 5"/>
-          <p:cNvSpPr txBox="1"/>
-          <p:nvPr/>
-        </p:nvSpPr>
-        <p:spPr>
-          <a:xfrm>
-            <a:off x="6237111" y="12728316"/>
-            <a:ext cx="13095111" cy="564257"/>
-          </a:xfrm>
-          <a:prstGeom prst="rect">
-            <a:avLst/>
-          </a:prstGeom>
-          <a:noFill/>
-          <a:ln w="12700" cap="flat">
-            <a:noFill/>
-            <a:miter lim="400000"/>
-          </a:ln>
-          <a:effectLst/>
-          <a:sp3d/>
-        </p:spPr>
-        <p:style>
-          <a:lnRef idx="0">
-            <a:scrgbClr r="0" g="0" b="0"/>
-          </a:lnRef>
-          <a:fillRef idx="0">
-            <a:scrgbClr r="0" g="0" b="0"/>
-          </a:fillRef>
-          <a:effectRef idx="0">
-            <a:scrgbClr r="0" g="0" b="0"/>
-          </a:effectRef>
-          <a:fontRef idx="none"/>
-        </p:style>
-        <p:txBody>
-          <a:bodyPr rot="0" spcFirstLastPara="1" vertOverflow="overflow" horzOverflow="overflow" vert="horz" wrap="square" lIns="50800" tIns="50800" rIns="50800" bIns="50800" numCol="1" spcCol="38100" rtlCol="0" anchor="ctr">
-            <a:spAutoFit/>
-          </a:bodyPr>
-          <a:lstStyle/>
-          <a:p>
-            <a:pPr marL="0" marR="0" indent="0" algn="ctr" defTabSz="825500" rtl="0" fontAlgn="auto" latinLnBrk="0" hangingPunct="0">
-              <a:lnSpc>
-                <a:spcPct val="100000"/>
-              </a:lnSpc>
-              <a:spcBef>
-                <a:spcPts val="0"/>
-              </a:spcBef>
-              <a:spcAft>
-                <a:spcPts val="0"/>
-              </a:spcAft>
-              <a:buClrTx/>
-              <a:buSzTx/>
-              <a:buFontTx/>
-              <a:buNone/>
-              <a:tabLst/>
-            </a:pPr>
-            <a:r>
-              <a:rPr kumimoji="0" lang="en-US" sz="3000" b="1" i="0" u="none" strike="noStrike" cap="none" spc="0" normalizeH="0" baseline="0" dirty="0" smtClean="0">
-                <a:ln>
-                  <a:noFill/>
-                </a:ln>
-                <a:solidFill>
-                  <a:srgbClr val="000000"/>
-                </a:solidFill>
-                <a:effectLst/>
-                <a:uFillTx/>
-                <a:latin typeface="Helvetica Neue"/>
-                <a:ea typeface="Helvetica Neue"/>
-                <a:cs typeface="Helvetica Neue"/>
-                <a:sym typeface="Helvetica Neue"/>
-              </a:rPr>
-              <a:t>Thi</a:t>
-            </a:r>
-            <a:r>
-              <a:rPr lang="en-US" dirty="0" smtClean="0"/>
-              <a:t>s slide left blank for whiteboard</a:t>
-            </a:r>
-            <a:endParaRPr kumimoji="0" lang="en-US" sz="3000" b="1" i="0" u="none" strike="noStrike" cap="none" spc="0" normalizeH="0" baseline="0" dirty="0">
-              <a:ln>
-                <a:noFill/>
-              </a:ln>
-              <a:solidFill>
-                <a:srgbClr val="000000"/>
-              </a:solidFill>
-              <a:effectLst/>
-              <a:uFillTx/>
-              <a:latin typeface="Helvetica Neue"/>
-              <a:ea typeface="Helvetica Neue"/>
-              <a:cs typeface="Helvetica Neue"/>
-              <a:sym typeface="Helvetica Neue"/>
-            </a:endParaRPr>
-          </a:p>
-        </p:txBody>
-      </p:sp>
     </p:spTree>
     <p:extLst>
       <p:ext uri="{BB962C8B-B14F-4D97-AF65-F5344CB8AC3E}">
@@ -5594,7 +5433,7 @@
   <p:clrMapOvr>
     <a:masterClrMapping/>
   </p:clrMapOvr>
-  <p:transition xmlns:p14="http://schemas.microsoft.com/office/powerpoint/2010/main" spd="med"/>
+  <p:transition spd="med"/>
 </p:sld>
 </file>
 
@@ -5615,100 +5454,6 @@
           <a:chExt cx="0" cy="0"/>
         </a:xfrm>
       </p:grpSpPr>
-      <p:sp>
-        <p:nvSpPr>
-          <p:cNvPr id="6" name="TextBox 5"/>
-          <p:cNvSpPr txBox="1"/>
-          <p:nvPr/>
-        </p:nvSpPr>
-        <p:spPr>
-          <a:xfrm>
-            <a:off x="6237111" y="12728316"/>
-            <a:ext cx="13095111" cy="564257"/>
-          </a:xfrm>
-          <a:prstGeom prst="rect">
-            <a:avLst/>
-          </a:prstGeom>
-          <a:noFill/>
-          <a:ln w="12700" cap="flat">
-            <a:noFill/>
-            <a:miter lim="400000"/>
-          </a:ln>
-          <a:effectLst/>
-          <a:sp3d/>
-        </p:spPr>
-        <p:style>
-          <a:lnRef idx="0">
-            <a:scrgbClr r="0" g="0" b="0"/>
-          </a:lnRef>
-          <a:fillRef idx="0">
-            <a:scrgbClr r="0" g="0" b="0"/>
-          </a:fillRef>
-          <a:effectRef idx="0">
-            <a:scrgbClr r="0" g="0" b="0"/>
-          </a:effectRef>
-          <a:fontRef idx="none"/>
-        </p:style>
-        <p:txBody>
-          <a:bodyPr rot="0" spcFirstLastPara="1" vertOverflow="overflow" horzOverflow="overflow" vert="horz" wrap="square" lIns="50800" tIns="50800" rIns="50800" bIns="50800" numCol="1" spcCol="38100" rtlCol="0" anchor="ctr">
-            <a:spAutoFit/>
-          </a:bodyPr>
-          <a:lstStyle/>
-          <a:p>
-            <a:pPr marL="0" marR="0" indent="0" algn="ctr" defTabSz="825500" rtl="0" fontAlgn="auto" latinLnBrk="0" hangingPunct="0">
-              <a:lnSpc>
-                <a:spcPct val="100000"/>
-              </a:lnSpc>
-              <a:spcBef>
-                <a:spcPts val="0"/>
-              </a:spcBef>
-              <a:spcAft>
-                <a:spcPts val="0"/>
-              </a:spcAft>
-              <a:buClrTx/>
-              <a:buSzTx/>
-              <a:buFontTx/>
-              <a:buNone/>
-              <a:tabLst/>
-            </a:pPr>
-            <a:r>
-              <a:rPr kumimoji="0" lang="en-US" sz="3000" b="1" i="0" u="none" strike="noStrike" cap="none" spc="0" normalizeH="0" baseline="0" dirty="0" smtClean="0">
-                <a:ln>
-                  <a:noFill/>
-                </a:ln>
-                <a:solidFill>
-                  <a:srgbClr val="000000"/>
-                </a:solidFill>
-                <a:effectLst/>
-                <a:uFillTx/>
-                <a:latin typeface="Helvetica Neue"/>
-                <a:ea typeface="Helvetica Neue"/>
-                <a:cs typeface="Helvetica Neue"/>
-                <a:sym typeface="Helvetica Neue"/>
-              </a:rPr>
-              <a:t>Thi</a:t>
-            </a:r>
-            <a:r>
-              <a:rPr lang="en-US" dirty="0" smtClean="0"/>
-              <a:t>s slide left blank for whiteboard</a:t>
-            </a:r>
-            <a:endParaRPr kumimoji="0" lang="en-US" sz="3000" b="1" i="0" u="none" strike="noStrike" cap="none" spc="0" normalizeH="0" baseline="0" dirty="0">
-              <a:ln>
-                <a:noFill/>
-              </a:ln>
-              <a:solidFill>
-                <a:srgbClr val="000000"/>
-              </a:solidFill>
-              <a:effectLst/>
-              <a:uFillTx/>
-              <a:latin typeface="Helvetica Neue"/>
-              <a:ea typeface="Helvetica Neue"/>
-              <a:cs typeface="Helvetica Neue"/>
-              <a:sym typeface="Helvetica Neue"/>
-            </a:endParaRPr>
-          </a:p>
-        </p:txBody>
-      </p:sp>
     </p:spTree>
     <p:extLst>
       <p:ext uri="{BB962C8B-B14F-4D97-AF65-F5344CB8AC3E}">
@@ -5719,7 +5464,7 @@
   <p:clrMapOvr>
     <a:masterClrMapping/>
   </p:clrMapOvr>
-  <p:transition xmlns:p14="http://schemas.microsoft.com/office/powerpoint/2010/main" spd="med"/>
+  <p:transition spd="med"/>
 </p:sld>
 </file>
 
